--- a/CSSE4011 Poster_Michael.pptx
+++ b/CSSE4011 Poster_Michael.pptx
@@ -1581,14 +1581,14 @@
           </a:ln>
           <a:extLst>
             <a:ext uri="{909E8E84-426E-40dd-AFC4-6F175D3DCCD1}">
-              <a14:hiddenFill xmlns:a14="http://schemas.microsoft.com/office/drawing/2010/main" xmlns="">
+              <a14:hiddenFill xmlns="" xmlns:a14="http://schemas.microsoft.com/office/drawing/2010/main">
                 <a:solidFill>
                   <a:srgbClr val="FFFFFF"/>
                 </a:solidFill>
               </a14:hiddenFill>
             </a:ext>
             <a:ext uri="{91240B29-F687-4f45-9708-019B960494DF}">
-              <a14:hiddenLine xmlns:a14="http://schemas.microsoft.com/office/drawing/2010/main" xmlns="" w="9525">
+              <a14:hiddenLine xmlns="" xmlns:a14="http://schemas.microsoft.com/office/drawing/2010/main" w="9525">
                 <a:solidFill>
                   <a:srgbClr val="000000"/>
                 </a:solidFill>
@@ -1640,14 +1640,14 @@
           </a:ln>
           <a:extLst>
             <a:ext uri="{909E8E84-426E-40dd-AFC4-6F175D3DCCD1}">
-              <a14:hiddenFill xmlns:a14="http://schemas.microsoft.com/office/drawing/2010/main" xmlns="">
+              <a14:hiddenFill xmlns="" xmlns:a14="http://schemas.microsoft.com/office/drawing/2010/main">
                 <a:solidFill>
                   <a:srgbClr val="FFFFFF"/>
                 </a:solidFill>
               </a14:hiddenFill>
             </a:ext>
             <a:ext uri="{91240B29-F687-4f45-9708-019B960494DF}">
-              <a14:hiddenLine xmlns:a14="http://schemas.microsoft.com/office/drawing/2010/main" xmlns="" w="9525">
+              <a14:hiddenLine xmlns="" xmlns:a14="http://schemas.microsoft.com/office/drawing/2010/main" w="9525">
                 <a:solidFill>
                   <a:srgbClr val="000000"/>
                 </a:solidFill>
@@ -2286,7 +2286,7 @@
         </p:nvSpPr>
         <p:spPr>
           <a:xfrm>
-            <a:off x="112713" y="1270000"/>
+            <a:off x="112713" y="1123661"/>
             <a:ext cx="3498850" cy="8837386"/>
           </a:xfrm>
           <a:ln/>
@@ -2313,23 +2313,16 @@
                 <a:latin typeface="Helvetica Neue" charset="0"/>
                 <a:cs typeface="Helvetica Neue" charset="0"/>
               </a:rPr>
-              <a:t>Develop a car racing controller to assist with Human Rehabilitation</a:t>
-            </a:r>
-          </a:p>
-          <a:p>
-            <a:r>
-              <a:rPr lang="en-AU" dirty="0">
-                <a:latin typeface="Helvetica Neue" charset="0"/>
-              </a:rPr>
-              <a:t>Games are a proven method to help patients rehabilitate.</a:t>
-            </a:r>
-          </a:p>
-          <a:p>
-            <a:r>
-              <a:rPr lang="en-AU" dirty="0">
-                <a:latin typeface="Helvetica Neue" charset="0"/>
-              </a:rPr>
-              <a:t>Games have been shown to improve both physical and cognitive ability.</a:t>
+              <a:t>Develop an interactive platform for rehabilitation</a:t>
+            </a:r>
+          </a:p>
+          <a:p>
+            <a:r>
+              <a:rPr lang="en-US" dirty="0">
+                <a:latin typeface="Helvetica Neue" charset="0"/>
+                <a:cs typeface="Helvetica Neue" charset="0"/>
+              </a:rPr>
+              <a:t>Games have been shown to improve both physical and cognitive ability, this is especially true for rehabilitation as gamification can turn repetitive exercises into an engaging experience</a:t>
             </a:r>
           </a:p>
           <a:p>
@@ -2404,12 +2397,6 @@
             </a:endParaRPr>
           </a:p>
           <a:p>
-            <a:endParaRPr lang="en-US" b="1" dirty="0">
-              <a:latin typeface="Helvetica Neue" charset="0"/>
-              <a:cs typeface="Helvetica Neue" charset="0"/>
-            </a:endParaRPr>
-          </a:p>
-          <a:p>
             <a:r>
               <a:rPr lang="en-US" dirty="0">
                 <a:latin typeface="Helvetica Neue" charset="0"/>
@@ -2445,6 +2432,8 @@
               </a:rPr>
               <a:t>A computer game will guide patients through their exercises and use their muscle activation and movement data to provide them feedback on their exercises in a fun and interactive manner</a:t>
             </a:r>
+          </a:p>
+          <a:p>
             <a:endParaRPr lang="en-US" dirty="0">
               <a:latin typeface="Helvetica Neue" charset="0"/>
               <a:cs typeface="Helvetica Neue" charset="0"/>
@@ -2893,31 +2882,21 @@
           </a:p>
           <a:p>
             <a:r>
-              <a:rPr lang="en-US" dirty="0">
+              <a:rPr lang="en-US" b="1" dirty="0">
                 <a:latin typeface="Helvetica Neue" charset="0"/>
                 <a:cs typeface="Helvetica Neue" charset="0"/>
               </a:rPr>
-              <a:t>[Machine Learning]</a:t>
-            </a:r>
-            <a:endParaRPr lang="en-AU" dirty="0">
-              <a:latin typeface="Helvetica Neue" charset="0"/>
-              <a:cs typeface="Helvetica Neue" charset="0"/>
-            </a:endParaRPr>
-          </a:p>
-          <a:p>
-            <a:r>
-              <a:rPr lang="en-US" b="1" dirty="0">
+              <a:t>Python Games</a:t>
+            </a:r>
+          </a:p>
+          <a:p>
+            <a:r>
+              <a:rPr lang="en-AU" dirty="0">
                 <a:latin typeface="Helvetica Neue" charset="0"/>
                 <a:cs typeface="Helvetica Neue" charset="0"/>
               </a:rPr>
-              <a:t>Python Games</a:t>
-            </a:r>
-          </a:p>
-          <a:p>
-            <a:endParaRPr lang="en-AU" b="1" dirty="0">
-              <a:latin typeface="Helvetica Neue" charset="0"/>
-              <a:cs typeface="Helvetica Neue" charset="0"/>
-            </a:endParaRPr>
+              <a:t>[Games available and related exercise]</a:t>
+            </a:r>
           </a:p>
         </p:txBody>
       </p:sp>
@@ -3038,17 +3017,17 @@
             </a:r>
           </a:p>
           <a:p>
+            <a:r>
+              <a:rPr lang="en-US" spc="-1" dirty="0">
+                <a:solidFill>
+                  <a:srgbClr val="000000"/>
+                </a:solidFill>
+              </a:rPr>
+              <a:t>Work had to be done to improve the packet-rate of the system to achieve a desirable rate</a:t>
+            </a:r>
             <a:endParaRPr lang="en-AU" b="1" dirty="0">
               <a:latin typeface="Helvetica Neue" charset="0"/>
             </a:endParaRPr>
-          </a:p>
-          <a:p>
-            <a:r>
-              <a:rPr lang="en-US" b="1" dirty="0">
-                <a:latin typeface="Helvetica Neue" charset="0"/>
-              </a:rPr>
-              <a:t>Machine Learning Performance</a:t>
-            </a:r>
           </a:p>
           <a:p>
             <a:endParaRPr lang="en-US" b="1" dirty="0">
@@ -3102,6 +3081,118 @@
               </a:rPr>
               <a:t>CONCLUSIONS</a:t>
             </a:r>
+            <a:endParaRPr lang="en-US" b="1" dirty="0">
+              <a:latin typeface="Helvetica Neue" charset="0"/>
+            </a:endParaRPr>
+          </a:p>
+          <a:p>
+            <a:pPr indent="-324000">
+              <a:lnSpc>
+                <a:spcPct val="100000"/>
+              </a:lnSpc>
+              <a:spcBef>
+                <a:spcPts val="281"/>
+              </a:spcBef>
+            </a:pPr>
+            <a:r>
+              <a:rPr lang="en-US" spc="-1" dirty="0" err="1">
+                <a:solidFill>
+                  <a:srgbClr val="000000"/>
+                </a:solidFill>
+              </a:rPr>
+              <a:t>Sensortag</a:t>
+            </a:r>
+            <a:r>
+              <a:rPr lang="en-US" spc="-1" dirty="0">
+                <a:solidFill>
+                  <a:srgbClr val="000000"/>
+                </a:solidFill>
+              </a:rPr>
+              <a:t> not an effective wireless platform for this application (high rate data, low-power not a major concern)</a:t>
+            </a:r>
+            <a:endParaRPr lang="en-US" spc="-1" dirty="0">
+              <a:solidFill>
+                <a:srgbClr val="000000"/>
+              </a:solidFill>
+              <a:ea typeface="Geneva"/>
+            </a:endParaRPr>
+          </a:p>
+          <a:p>
+            <a:pPr indent="-324000">
+              <a:lnSpc>
+                <a:spcPct val="100000"/>
+              </a:lnSpc>
+              <a:spcBef>
+                <a:spcPts val="281"/>
+              </a:spcBef>
+            </a:pPr>
+            <a:r>
+              <a:rPr lang="en-US" spc="-1" dirty="0">
+                <a:solidFill>
+                  <a:srgbClr val="000000"/>
+                </a:solidFill>
+              </a:rPr>
+              <a:t> </a:t>
+            </a:r>
+            <a:endParaRPr lang="en-US" spc="-1" dirty="0">
+              <a:solidFill>
+                <a:srgbClr val="000000"/>
+              </a:solidFill>
+              <a:ea typeface="Geneva"/>
+            </a:endParaRPr>
+          </a:p>
+          <a:p>
+            <a:pPr indent="-324000">
+              <a:lnSpc>
+                <a:spcPct val="100000"/>
+              </a:lnSpc>
+              <a:spcBef>
+                <a:spcPts val="281"/>
+              </a:spcBef>
+            </a:pPr>
+            <a:r>
+              <a:rPr lang="en-US" spc="-1" dirty="0">
+                <a:solidFill>
+                  <a:srgbClr val="000000"/>
+                </a:solidFill>
+              </a:rPr>
+              <a:t>Better platform would be an nrf24l01-enabled dev board</a:t>
+            </a:r>
+            <a:endParaRPr lang="en-US" spc="-1" dirty="0">
+              <a:solidFill>
+                <a:srgbClr val="000000"/>
+              </a:solidFill>
+              <a:ea typeface="Geneva"/>
+            </a:endParaRPr>
+          </a:p>
+          <a:p>
+            <a:pPr indent="-324000">
+              <a:lnSpc>
+                <a:spcPct val="100000"/>
+              </a:lnSpc>
+              <a:spcBef>
+                <a:spcPts val="281"/>
+              </a:spcBef>
+            </a:pPr>
+            <a:r>
+              <a:rPr lang="en-US" spc="-1" dirty="0">
+                <a:solidFill>
+                  <a:srgbClr val="000000"/>
+                </a:solidFill>
+              </a:rPr>
+              <a:t>(nrf24l01/2.4GHz used in commercial wireless controllers like mice and gamepads)</a:t>
+            </a:r>
+            <a:endParaRPr lang="en-US" spc="-1" dirty="0">
+              <a:solidFill>
+                <a:srgbClr val="000000"/>
+              </a:solidFill>
+              <a:ea typeface="Geneva"/>
+            </a:endParaRPr>
+          </a:p>
+          <a:p>
+            <a:endParaRPr lang="en-US" dirty="0">
+              <a:latin typeface="Helvetica Neue" charset="0"/>
+            </a:endParaRPr>
           </a:p>
           <a:p>
             <a:r>
@@ -3142,8 +3233,8 @@
         </p:blipFill>
         <p:spPr bwMode="auto">
           <a:xfrm>
-            <a:off x="1010557" y="4366418"/>
-            <a:ext cx="1357086" cy="1938694"/>
+            <a:off x="772055" y="4248690"/>
+            <a:ext cx="1432159" cy="2045941"/>
           </a:xfrm>
           <a:prstGeom prst="rect">
             <a:avLst/>

--- a/CSSE4011 Poster_Michael.pptx
+++ b/CSSE4011 Poster_Michael.pptx
@@ -265,7 +265,7 @@
               <a:pPr>
                 <a:defRPr/>
               </a:pPr>
-              <a:t>6/10/2018</a:t>
+              <a:t>6/11/2018</a:t>
             </a:fld>
             <a:endParaRPr lang="en-US"/>
           </a:p>
@@ -775,7 +775,7 @@
               <a:pPr>
                 <a:defRPr/>
               </a:pPr>
-              <a:t>6/10/2018</a:t>
+              <a:t>6/11/2018</a:t>
             </a:fld>
             <a:endParaRPr lang="en-US"/>
           </a:p>
@@ -1581,14 +1581,14 @@
           </a:ln>
           <a:extLst>
             <a:ext uri="{909E8E84-426E-40dd-AFC4-6F175D3DCCD1}">
-              <a14:hiddenFill xmlns="" xmlns:a14="http://schemas.microsoft.com/office/drawing/2010/main">
+              <a14:hiddenFill xmlns:a14="http://schemas.microsoft.com/office/drawing/2010/main" xmlns="">
                 <a:solidFill>
                   <a:srgbClr val="FFFFFF"/>
                 </a:solidFill>
               </a14:hiddenFill>
             </a:ext>
             <a:ext uri="{91240B29-F687-4f45-9708-019B960494DF}">
-              <a14:hiddenLine xmlns="" xmlns:a14="http://schemas.microsoft.com/office/drawing/2010/main" w="9525">
+              <a14:hiddenLine xmlns:a14="http://schemas.microsoft.com/office/drawing/2010/main" xmlns="" w="9525">
                 <a:solidFill>
                   <a:srgbClr val="000000"/>
                 </a:solidFill>
@@ -1640,14 +1640,14 @@
           </a:ln>
           <a:extLst>
             <a:ext uri="{909E8E84-426E-40dd-AFC4-6F175D3DCCD1}">
-              <a14:hiddenFill xmlns="" xmlns:a14="http://schemas.microsoft.com/office/drawing/2010/main">
+              <a14:hiddenFill xmlns:a14="http://schemas.microsoft.com/office/drawing/2010/main" xmlns="">
                 <a:solidFill>
                   <a:srgbClr val="FFFFFF"/>
                 </a:solidFill>
               </a14:hiddenFill>
             </a:ext>
             <a:ext uri="{91240B29-F687-4f45-9708-019B960494DF}">
-              <a14:hiddenLine xmlns="" xmlns:a14="http://schemas.microsoft.com/office/drawing/2010/main" w="9525">
+              <a14:hiddenLine xmlns:a14="http://schemas.microsoft.com/office/drawing/2010/main" xmlns="" w="9525">
                 <a:solidFill>
                   <a:srgbClr val="000000"/>
                 </a:solidFill>
@@ -1747,7 +1747,7 @@
               <a:pPr>
                 <a:defRPr/>
               </a:pPr>
-              <a:t>6/10/2018</a:t>
+              <a:t>6/11/2018</a:t>
             </a:fld>
             <a:endParaRPr lang="en-US"/>
           </a:p>
@@ -2274,6 +2274,30 @@
           <a:chExt cx="0" cy="0"/>
         </a:xfrm>
       </p:grpSpPr>
+      <p:pic>
+        <p:nvPicPr>
+          <p:cNvPr id="2" name="Picture 1"/>
+          <p:cNvPicPr>
+            <a:picLocks noChangeAspect="1"/>
+          </p:cNvPicPr>
+          <p:nvPr/>
+        </p:nvPicPr>
+        <p:blipFill>
+          <a:blip r:embed="rId2"/>
+          <a:stretch>
+            <a:fillRect/>
+          </a:stretch>
+        </p:blipFill>
+        <p:spPr>
+          <a:xfrm>
+            <a:off x="11312083" y="7983535"/>
+            <a:ext cx="3331017" cy="1819910"/>
+          </a:xfrm>
+          <a:prstGeom prst="rect">
+            <a:avLst/>
+          </a:prstGeom>
+        </p:spPr>
+      </p:pic>
       <p:sp>
         <p:nvSpPr>
           <p:cNvPr id="3074" name="Content Placeholder 1"/>
@@ -2912,8 +2936,8 @@
         </p:nvSpPr>
         <p:spPr>
           <a:xfrm>
-            <a:off x="7466013" y="1270001"/>
-            <a:ext cx="3500437" cy="4531088"/>
+            <a:off x="7466013" y="1270000"/>
+            <a:ext cx="3500437" cy="7391399"/>
           </a:xfrm>
           <a:ln/>
         </p:spPr>
@@ -2938,34 +2962,111 @@
           </a:p>
           <a:p>
             <a:r>
+              <a:rPr lang="en-US" dirty="0">
+                <a:latin typeface="Helvetica Neue" charset="0"/>
+              </a:rPr>
+              <a:t>The user is able to reliably interface with the python games using the embedded device. </a:t>
+            </a:r>
+          </a:p>
+          <a:p>
+            <a:endParaRPr lang="en-US" dirty="0">
+              <a:latin typeface="Helvetica Neue" charset="0"/>
+            </a:endParaRPr>
+          </a:p>
+          <a:p>
+            <a:r>
+              <a:rPr lang="en-US" b="1" dirty="0" err="1">
+                <a:latin typeface="Helvetica Neue" charset="0"/>
+              </a:rPr>
+              <a:t>SensorTag</a:t>
+            </a:r>
+            <a:r>
               <a:rPr lang="en-US" b="1" dirty="0">
                 <a:latin typeface="Helvetica Neue" charset="0"/>
               </a:rPr>
-              <a:t>[</a:t>
-            </a:r>
-            <a:r>
-              <a:rPr lang="en-US" dirty="0">
-                <a:latin typeface="Helvetica Neue" charset="0"/>
-              </a:rPr>
-              <a:t>System </a:t>
-            </a:r>
-            <a:r>
-              <a:rPr lang="en-US" dirty="0" err="1">
-                <a:latin typeface="Helvetica Neue" charset="0"/>
-              </a:rPr>
-              <a:t>perofmance</a:t>
-            </a:r>
-            <a:r>
-              <a:rPr lang="en-US" dirty="0">
-                <a:latin typeface="Helvetica Neue" charset="0"/>
-              </a:rPr>
-              <a:t> vs AIMs</a:t>
-            </a:r>
-            <a:r>
-              <a:rPr lang="en-US" b="1" dirty="0">
-                <a:latin typeface="Helvetica Neue" charset="0"/>
-              </a:rPr>
-              <a:t>]</a:t>
+              <a:t> Performance</a:t>
+            </a:r>
+          </a:p>
+          <a:p>
+            <a:r>
+              <a:rPr lang="en-AU" dirty="0">
+                <a:latin typeface="Helvetica Neue" charset="0"/>
+              </a:rPr>
+              <a:t>During normal operation, the muscle sensor’s output is between 0V and 3V. </a:t>
+            </a:r>
+          </a:p>
+          <a:p>
+            <a:r>
+              <a:rPr lang="en-AU" dirty="0">
+                <a:latin typeface="Helvetica Neue" charset="0"/>
+              </a:rPr>
+              <a:t>From user testing only 8-bit resolution was required to get reliable results.</a:t>
+            </a:r>
+          </a:p>
+          <a:p>
+            <a:endParaRPr lang="en-AU" dirty="0">
+              <a:latin typeface="Helvetica Neue" charset="0"/>
+            </a:endParaRPr>
+          </a:p>
+          <a:p>
+            <a:r>
+              <a:rPr lang="en-AU" dirty="0">
+                <a:latin typeface="Helvetica Neue" charset="0"/>
+              </a:rPr>
+              <a:t>The </a:t>
+            </a:r>
+            <a:r>
+              <a:rPr lang="en-AU" dirty="0" err="1">
+                <a:latin typeface="Helvetica Neue" charset="0"/>
+              </a:rPr>
+              <a:t>SensorTag’s</a:t>
+            </a:r>
+            <a:r>
+              <a:rPr lang="en-AU" dirty="0">
+                <a:latin typeface="Helvetica Neue" charset="0"/>
+              </a:rPr>
+              <a:t> 12-bit ADC provides far better accuracy than we need. This further improved the reliability.</a:t>
+            </a:r>
+          </a:p>
+          <a:p>
+            <a:r>
+              <a:rPr lang="en-AU" dirty="0">
+                <a:latin typeface="Helvetica Neue" charset="0"/>
+              </a:rPr>
+              <a:t>[Possible graph of output waveform or sensor positioning]</a:t>
+            </a:r>
+          </a:p>
+          <a:p>
+            <a:endParaRPr lang="en-AU" dirty="0">
+              <a:latin typeface="Helvetica Neue" charset="0"/>
+            </a:endParaRPr>
+          </a:p>
+          <a:p>
+            <a:r>
+              <a:rPr lang="en-AU" b="1" dirty="0">
+                <a:latin typeface="Helvetica Neue" charset="0"/>
+              </a:rPr>
+              <a:t>Network Performance</a:t>
+            </a:r>
+          </a:p>
+          <a:p>
+            <a:r>
+              <a:rPr lang="en-US" spc="-1" dirty="0">
+                <a:solidFill>
+                  <a:srgbClr val="000000"/>
+                </a:solidFill>
+              </a:rPr>
+              <a:t>Work had to be done to improve the packet-rate of the system to achieve a desirable rate. </a:t>
+            </a:r>
+          </a:p>
+          <a:p>
+            <a:r>
+              <a:rPr lang="en-US" spc="-1" dirty="0">
+                <a:solidFill>
+                  <a:srgbClr val="000000"/>
+                </a:solidFill>
+              </a:rPr>
+              <a:t>Currently sending packets at 15Hz. This is fast enough to play most games.</a:t>
             </a:r>
           </a:p>
           <a:p>
@@ -2975,77 +3076,43 @@
           </a:p>
           <a:p>
             <a:r>
-              <a:rPr lang="en-US" b="1" dirty="0" err="1">
-                <a:latin typeface="Helvetica Neue" charset="0"/>
-              </a:rPr>
-              <a:t>SensorTag</a:t>
-            </a:r>
-            <a:r>
               <a:rPr lang="en-US" b="1" dirty="0">
                 <a:latin typeface="Helvetica Neue" charset="0"/>
               </a:rPr>
-              <a:t> Performance</a:t>
-            </a:r>
-          </a:p>
-          <a:p>
-            <a:r>
-              <a:rPr lang="en-AU" dirty="0">
-                <a:latin typeface="Helvetica Neue" charset="0"/>
-              </a:rPr>
-              <a:t>[Something about ADC output]</a:t>
-            </a:r>
-          </a:p>
-          <a:p>
-            <a:r>
-              <a:rPr lang="en-AU" dirty="0">
-                <a:latin typeface="Helvetica Neue" charset="0"/>
-              </a:rPr>
-              <a:t>[Possible graph of output waveform or sensor positioning]</a:t>
-            </a:r>
-          </a:p>
-          <a:p>
-            <a:endParaRPr lang="en-AU" dirty="0">
-              <a:latin typeface="Helvetica Neue" charset="0"/>
+              <a:t>Game Performance</a:t>
+            </a:r>
+            <a:endParaRPr lang="en-US" spc="-1" dirty="0">
+              <a:solidFill>
+                <a:srgbClr val="000000"/>
+              </a:solidFill>
             </a:endParaRPr>
           </a:p>
           <a:p>
             <a:r>
-              <a:rPr lang="en-AU" b="1" dirty="0">
-                <a:latin typeface="Helvetica Neue" charset="0"/>
-              </a:rPr>
-              <a:t>Network Performance</a:t>
-            </a:r>
-          </a:p>
-          <a:p>
-            <a:r>
               <a:rPr lang="en-US" spc="-1" dirty="0">
                 <a:solidFill>
                   <a:srgbClr val="000000"/>
                 </a:solidFill>
               </a:rPr>
-              <a:t>Work had to be done to improve the packet-rate of the system to achieve a desirable rate</a:t>
-            </a:r>
-            <a:endParaRPr lang="en-AU" b="1" dirty="0">
-              <a:latin typeface="Helvetica Neue" charset="0"/>
+              <a:t>The device was tested with a car game that involved forwards, brake, left and right controls. </a:t>
+            </a:r>
+          </a:p>
+          <a:p>
+            <a:endParaRPr lang="en-US" spc="-1" dirty="0">
+              <a:solidFill>
+                <a:srgbClr val="000000"/>
+              </a:solidFill>
             </a:endParaRPr>
           </a:p>
           <a:p>
-            <a:endParaRPr lang="en-US" b="1" dirty="0">
-              <a:latin typeface="Helvetica Neue" charset="0"/>
-            </a:endParaRPr>
-          </a:p>
-          <a:p>
-            <a:r>
-              <a:rPr lang="en-US" b="1" dirty="0">
-                <a:latin typeface="Helvetica Neue" charset="0"/>
-              </a:rPr>
-              <a:t>Game Performance</a:t>
-            </a:r>
-          </a:p>
-          <a:p>
-            <a:endParaRPr lang="en-US" sz="1800" dirty="0">
-              <a:latin typeface="Bodoni MT" charset="0"/>
-            </a:endParaRPr>
+            <a:r>
+              <a:rPr lang="en-US" spc="-1" dirty="0">
+                <a:solidFill>
+                  <a:srgbClr val="000000"/>
+                </a:solidFill>
+              </a:rPr>
+              <a:t>User testing showed that, on average, players that used the device were able to complete the game within 10% of the score of players who used a keyboard. </a:t>
+            </a:r>
           </a:p>
           <a:p>
             <a:endParaRPr lang="en-US" sz="1800" dirty="0">
@@ -3066,8 +3133,8 @@
         </p:nvSpPr>
         <p:spPr>
           <a:xfrm>
-            <a:off x="11142663" y="1270000"/>
-            <a:ext cx="3500437" cy="4531089"/>
+            <a:off x="11142663" y="1269999"/>
+            <a:ext cx="3500437" cy="7152861"/>
           </a:xfrm>
           <a:ln/>
         </p:spPr>
@@ -3095,6 +3162,14 @@
               </a:spcBef>
             </a:pPr>
             <a:r>
+              <a:rPr lang="en-US" spc="-1" dirty="0">
+                <a:solidFill>
+                  <a:srgbClr val="000000"/>
+                </a:solidFill>
+              </a:rPr>
+              <a:t>Whilst the </a:t>
+            </a:r>
+            <a:r>
               <a:rPr lang="en-US" spc="-1" dirty="0" err="1">
                 <a:solidFill>
                   <a:srgbClr val="000000"/>
@@ -3108,14 +3183,8 @@
                   <a:srgbClr val="000000"/>
                 </a:solidFill>
               </a:rPr>
-              <a:t> not an effective wireless platform for this application (high rate data, low-power not a major concern)</a:t>
-            </a:r>
-            <a:endParaRPr lang="en-US" spc="-1" dirty="0">
-              <a:solidFill>
-                <a:srgbClr val="000000"/>
-              </a:solidFill>
-              <a:ea typeface="Geneva"/>
-            </a:endParaRPr>
+              <a:t> struggles with high data rate wireless applications, it has shown to be reliable enough to control simple games. </a:t>
+            </a:r>
           </a:p>
           <a:p>
             <a:pPr indent="-324000">
@@ -3132,14 +3201,40 @@
                   <a:srgbClr val="000000"/>
                 </a:solidFill>
               </a:rPr>
-              <a:t> </a:t>
-            </a:r>
-            <a:endParaRPr lang="en-US" spc="-1" dirty="0">
-              <a:solidFill>
-                <a:srgbClr val="000000"/>
-              </a:solidFill>
-              <a:ea typeface="Geneva"/>
-            </a:endParaRPr>
+              <a:t>The </a:t>
+            </a:r>
+            <a:r>
+              <a:rPr lang="en-US" spc="-1" dirty="0" err="1">
+                <a:solidFill>
+                  <a:srgbClr val="000000"/>
+                </a:solidFill>
+              </a:rPr>
+              <a:t>SensorTag</a:t>
+            </a:r>
+            <a:r>
+              <a:rPr lang="en-US" spc="-1" dirty="0">
+                <a:solidFill>
+                  <a:srgbClr val="000000"/>
+                </a:solidFill>
+              </a:rPr>
+              <a:t> was found to be suitable for interfacing with the </a:t>
+            </a:r>
+            <a:r>
+              <a:rPr lang="en-US" spc="-1" dirty="0" err="1">
+                <a:solidFill>
+                  <a:srgbClr val="000000"/>
+                </a:solidFill>
+              </a:rPr>
+              <a:t>MyoWare</a:t>
+            </a:r>
+            <a:r>
+              <a:rPr lang="en-US" spc="-1" dirty="0">
+                <a:solidFill>
+                  <a:srgbClr val="000000"/>
+                </a:solidFill>
+              </a:rPr>
+              <a:t> Muscle Sensor.</a:t>
+            </a:r>
           </a:p>
           <a:p>
             <a:pPr indent="-324000">
@@ -3156,14 +3251,8 @@
                   <a:srgbClr val="000000"/>
                 </a:solidFill>
               </a:rPr>
-              <a:t>Better platform would be an nrf24l01-enabled dev board</a:t>
-            </a:r>
-            <a:endParaRPr lang="en-US" spc="-1" dirty="0">
-              <a:solidFill>
-                <a:srgbClr val="000000"/>
-              </a:solidFill>
-              <a:ea typeface="Geneva"/>
-            </a:endParaRPr>
+              <a:t>The </a:t>
+            </a:r>
           </a:p>
           <a:p>
             <a:pPr indent="-324000">
@@ -3180,7 +3269,7 @@
                   <a:srgbClr val="000000"/>
                 </a:solidFill>
               </a:rPr>
-              <a:t>(nrf24l01/2.4GHz used in commercial wireless controllers like mice and gamepads)</a:t>
+              <a:t>is not an effective wireless platform for high data rate games. This project has shown that it can be used for simple wireless games with  for this application (high rate data, low-power not a major concern)</a:t>
             </a:r>
             <a:endParaRPr lang="en-US" spc="-1" dirty="0">
               <a:solidFill>
@@ -3190,6 +3279,78 @@
             </a:endParaRPr>
           </a:p>
           <a:p>
+            <a:pPr indent="-324000">
+              <a:lnSpc>
+                <a:spcPct val="100000"/>
+              </a:lnSpc>
+              <a:spcBef>
+                <a:spcPts val="281"/>
+              </a:spcBef>
+            </a:pPr>
+            <a:r>
+              <a:rPr lang="en-US" spc="-1" dirty="0">
+                <a:solidFill>
+                  <a:srgbClr val="000000"/>
+                </a:solidFill>
+              </a:rPr>
+              <a:t> </a:t>
+            </a:r>
+            <a:endParaRPr lang="en-US" spc="-1" dirty="0">
+              <a:solidFill>
+                <a:srgbClr val="000000"/>
+              </a:solidFill>
+              <a:ea typeface="Geneva"/>
+            </a:endParaRPr>
+          </a:p>
+          <a:p>
+            <a:pPr indent="-324000">
+              <a:lnSpc>
+                <a:spcPct val="100000"/>
+              </a:lnSpc>
+              <a:spcBef>
+                <a:spcPts val="281"/>
+              </a:spcBef>
+            </a:pPr>
+            <a:r>
+              <a:rPr lang="en-US" spc="-1" dirty="0">
+                <a:solidFill>
+                  <a:srgbClr val="000000"/>
+                </a:solidFill>
+              </a:rPr>
+              <a:t>Better platform would be an nrf24l01-enabled dev board</a:t>
+            </a:r>
+            <a:endParaRPr lang="en-US" spc="-1" dirty="0">
+              <a:solidFill>
+                <a:srgbClr val="000000"/>
+              </a:solidFill>
+              <a:ea typeface="Geneva"/>
+            </a:endParaRPr>
+          </a:p>
+          <a:p>
+            <a:pPr indent="-324000">
+              <a:lnSpc>
+                <a:spcPct val="100000"/>
+              </a:lnSpc>
+              <a:spcBef>
+                <a:spcPts val="281"/>
+              </a:spcBef>
+            </a:pPr>
+            <a:r>
+              <a:rPr lang="en-US" spc="-1" dirty="0">
+                <a:solidFill>
+                  <a:srgbClr val="000000"/>
+                </a:solidFill>
+              </a:rPr>
+              <a:t>(nrf24l01/2.4GHz used in commercial wireless controllers like mice and gamepads)</a:t>
+            </a:r>
+            <a:endParaRPr lang="en-US" spc="-1" dirty="0">
+              <a:solidFill>
+                <a:srgbClr val="000000"/>
+              </a:solidFill>
+              <a:ea typeface="Geneva"/>
+            </a:endParaRPr>
+          </a:p>
+          <a:p>
             <a:endParaRPr lang="en-US" dirty="0">
               <a:latin typeface="Helvetica Neue" charset="0"/>
             </a:endParaRPr>
@@ -3200,6 +3361,22 @@
                 <a:latin typeface="Helvetica Neue" charset="0"/>
               </a:rPr>
               <a:t>Further Work</a:t>
+            </a:r>
+          </a:p>
+          <a:p>
+            <a:r>
+              <a:rPr lang="en-US" dirty="0">
+                <a:latin typeface="Helvetica Neue" charset="0"/>
+              </a:rPr>
+              <a:t>This project could be expanded further to incorporate more games. </a:t>
+            </a:r>
+          </a:p>
+          <a:p>
+            <a:r>
+              <a:rPr lang="en-US" dirty="0">
+                <a:latin typeface="Helvetica Neue" charset="0"/>
+              </a:rPr>
+              <a:t>Additionally, the muscle sensors in this project were only used to measure foot exercises. This idea could be expanded to other muscle groups.</a:t>
             </a:r>
           </a:p>
         </p:txBody>
@@ -3219,7 +3396,7 @@
           <p:nvPr/>
         </p:nvPicPr>
         <p:blipFill>
-          <a:blip r:embed="rId2">
+          <a:blip r:embed="rId3">
             <a:extLst>
               <a:ext uri="{28A0092B-C50C-407E-A947-70E740481C1C}">
                 <a14:useLocalDpi xmlns:a14="http://schemas.microsoft.com/office/drawing/2010/main" val="0"/>
@@ -3251,30 +3428,6 @@
           </a:extLst>
         </p:spPr>
       </p:pic>
-      <p:pic>
-        <p:nvPicPr>
-          <p:cNvPr id="2" name="Picture 1"/>
-          <p:cNvPicPr>
-            <a:picLocks noChangeAspect="1"/>
-          </p:cNvPicPr>
-          <p:nvPr/>
-        </p:nvPicPr>
-        <p:blipFill>
-          <a:blip r:embed="rId3"/>
-          <a:stretch>
-            <a:fillRect/>
-          </a:stretch>
-        </p:blipFill>
-        <p:spPr>
-          <a:xfrm>
-            <a:off x="7908482" y="6350532"/>
-            <a:ext cx="6115935" cy="3172881"/>
-          </a:xfrm>
-          <a:prstGeom prst="rect">
-            <a:avLst/>
-          </a:prstGeom>
-        </p:spPr>
-      </p:pic>
       <p:sp>
         <p:nvSpPr>
           <p:cNvPr id="3" name="TextBox 2"/>
@@ -3283,7 +3436,7 @@
         </p:nvSpPr>
         <p:spPr>
           <a:xfrm>
-            <a:off x="11377748" y="9278083"/>
+            <a:off x="11377748" y="9709883"/>
             <a:ext cx="2795452" cy="307777"/>
           </a:xfrm>
           <a:prstGeom prst="rect">

--- a/CSSE4011 Poster_Michael.pptx
+++ b/CSSE4011 Poster_Michael.pptx
@@ -2634,7 +2634,7 @@
         <p:spPr>
           <a:xfrm>
             <a:off x="3789363" y="1270000"/>
-            <a:ext cx="3500437" cy="9176327"/>
+            <a:ext cx="3676650" cy="9176327"/>
           </a:xfrm>
           <a:ln/>
         </p:spPr>
@@ -2675,7 +2675,7 @@
               <a:rPr lang="en-AU" dirty="0">
                 <a:latin typeface="Helvetica Neue" charset="0"/>
               </a:rPr>
-              <a:t>The muscle sensors can detect muscle activation by measuring the electromyography signals emitted by your muscles!</a:t>
+              <a:t>The muscle sensors detect muscle activation. They measure  electromyography signals emitted by your muscles!</a:t>
             </a:r>
           </a:p>
           <a:p>
@@ -2713,7 +2713,7 @@
               <a:rPr lang="en-AU" dirty="0">
                 <a:latin typeface="Helvetica Neue" charset="0"/>
               </a:rPr>
-              <a:t>Muscles sensors will be placed on the [legs?] of the patient in order to measure the muscle activation associated with ankle movement</a:t>
+              <a:t>Muscles sensors will be placed on the legs to measure the muscle activation associated with ankle movement</a:t>
             </a:r>
           </a:p>
           <a:p>
@@ -2894,12 +2894,14 @@
           </a:p>
           <a:p>
             <a:r>
-              <a:rPr lang="en-US" dirty="0">
+              <a:rPr lang="en-AU" dirty="0">
                 <a:latin typeface="Helvetica Neue" charset="0"/>
                 <a:cs typeface="Helvetica Neue" charset="0"/>
               </a:rPr>
-              <a:t>[Sensor Fusion]</a:t>
-            </a:r>
+              <a:t>A Kalman filter was used to fuse the accelerometer and gyroscope values. This was to get the angle. A logistic regressor has been used on the muscle sensor data.</a:t>
+            </a:r>
+          </a:p>
+          <a:p>
             <a:endParaRPr lang="en-AU" dirty="0">
               <a:latin typeface="Helvetica Neue" charset="0"/>
             </a:endParaRPr>
@@ -2919,7 +2921,7 @@
                 <a:latin typeface="Helvetica Neue" charset="0"/>
                 <a:cs typeface="Helvetica Neue" charset="0"/>
               </a:rPr>
-              <a:t>[Games available and related exercise]</a:t>
+              <a:t>Initially Python will be used control a car racing game. </a:t>
             </a:r>
           </a:p>
         </p:txBody>
@@ -3026,14 +3028,6 @@
                 <a:latin typeface="Helvetica Neue" charset="0"/>
               </a:rPr>
               <a:t> 12-bit ADC provides far better accuracy than we need. This further improved the reliability.</a:t>
-            </a:r>
-          </a:p>
-          <a:p>
-            <a:r>
-              <a:rPr lang="en-AU" dirty="0">
-                <a:latin typeface="Helvetica Neue" charset="0"/>
-              </a:rPr>
-              <a:t>[Possible graph of output waveform or sensor positioning]</a:t>
             </a:r>
           </a:p>
           <a:p>
